--- a/技术类/华为数据之道.pptx
+++ b/技术类/华为数据之道.pptx
@@ -108,6 +108,11 @@
       </a:defRPr>
     </a:lvl9pPr>
   </p:defaultTextStyle>
+  <p:extLst>
+    <p:ext uri="{EFAFB233-063F-42B5-8137-9DF3F51BA10A}">
+      <p15:sldGuideLst xmlns:p15="http://schemas.microsoft.com/office/powerpoint/2012/main"/>
+    </p:ext>
+  </p:extLst>
 </p:presentation>
 </file>
 
@@ -193,7 +198,7 @@
           <a:p>
             <a:fld id="{ACBD25C7-712A-40C2-929C-6C3BC77C62AC}" type="datetimeFigureOut">
               <a:rPr lang="zh-CN" altLang="en-US" smtClean="0"/>
-              <a:t>2021/4/22</a:t>
+              <a:t>2021/6/12</a:t>
             </a:fld>
             <a:endParaRPr lang="zh-CN" altLang="en-US"/>
           </a:p>
@@ -681,7 +686,7 @@
           <a:p>
             <a:fld id="{118A88F5-5ACF-4840-AFFD-C2D93D3D5BC1}" type="datetimeFigureOut">
               <a:rPr lang="zh-CN" altLang="en-US" smtClean="0"/>
-              <a:t>2021/4/22</a:t>
+              <a:t>2021/6/12</a:t>
             </a:fld>
             <a:endParaRPr lang="zh-CN" altLang="en-US"/>
           </a:p>
@@ -851,7 +856,7 @@
           <a:p>
             <a:fld id="{118A88F5-5ACF-4840-AFFD-C2D93D3D5BC1}" type="datetimeFigureOut">
               <a:rPr lang="zh-CN" altLang="en-US" smtClean="0"/>
-              <a:t>2021/4/22</a:t>
+              <a:t>2021/6/12</a:t>
             </a:fld>
             <a:endParaRPr lang="zh-CN" altLang="en-US"/>
           </a:p>
@@ -1031,7 +1036,7 @@
           <a:p>
             <a:fld id="{118A88F5-5ACF-4840-AFFD-C2D93D3D5BC1}" type="datetimeFigureOut">
               <a:rPr lang="zh-CN" altLang="en-US" smtClean="0"/>
-              <a:t>2021/4/22</a:t>
+              <a:t>2021/6/12</a:t>
             </a:fld>
             <a:endParaRPr lang="zh-CN" altLang="en-US"/>
           </a:p>
@@ -1109,30 +1114,6 @@
           <a:chExt cx="0" cy="0"/>
         </a:xfrm>
       </p:grpSpPr>
-      <p:pic>
-        <p:nvPicPr>
-          <p:cNvPr id="11" name="图片 10" descr="装饰彩色2"/>
-          <p:cNvPicPr>
-            <a:picLocks noChangeAspect="1"/>
-          </p:cNvPicPr>
-          <p:nvPr userDrawn="1"/>
-        </p:nvPicPr>
-        <p:blipFill>
-          <a:blip r:embed="rId2"/>
-          <a:stretch>
-            <a:fillRect/>
-          </a:stretch>
-        </p:blipFill>
-        <p:spPr>
-          <a:xfrm>
-            <a:off x="10522585" y="375285"/>
-            <a:ext cx="1341755" cy="307340"/>
-          </a:xfrm>
-          <a:prstGeom prst="rect">
-            <a:avLst/>
-          </a:prstGeom>
-        </p:spPr>
-      </p:pic>
       <p:sp>
         <p:nvSpPr>
           <p:cNvPr id="2" name="矩形 1"/>
@@ -1189,6 +1170,13 @@
   <p:clrMapOvr>
     <a:masterClrMapping/>
   </p:clrMapOvr>
+  <p:timing>
+    <p:tnLst>
+      <p:par>
+        <p:cTn id="1" dur="indefinite" restart="never" nodeType="tmRoot"/>
+      </p:par>
+    </p:tnLst>
+  </p:timing>
 </p:sldLayout>
 </file>
 
@@ -1301,7 +1289,7 @@
           <a:p>
             <a:fld id="{118A88F5-5ACF-4840-AFFD-C2D93D3D5BC1}" type="datetimeFigureOut">
               <a:rPr lang="zh-CN" altLang="en-US" smtClean="0"/>
-              <a:t>2021/4/22</a:t>
+              <a:t>2021/6/12</a:t>
             </a:fld>
             <a:endParaRPr lang="zh-CN" altLang="en-US"/>
           </a:p>
@@ -1547,7 +1535,7 @@
           <a:p>
             <a:fld id="{118A88F5-5ACF-4840-AFFD-C2D93D3D5BC1}" type="datetimeFigureOut">
               <a:rPr lang="zh-CN" altLang="en-US" smtClean="0"/>
-              <a:t>2021/4/22</a:t>
+              <a:t>2021/6/12</a:t>
             </a:fld>
             <a:endParaRPr lang="zh-CN" altLang="en-US"/>
           </a:p>
@@ -1779,7 +1767,7 @@
           <a:p>
             <a:fld id="{118A88F5-5ACF-4840-AFFD-C2D93D3D5BC1}" type="datetimeFigureOut">
               <a:rPr lang="zh-CN" altLang="en-US" smtClean="0"/>
-              <a:t>2021/4/22</a:t>
+              <a:t>2021/6/12</a:t>
             </a:fld>
             <a:endParaRPr lang="zh-CN" altLang="en-US"/>
           </a:p>
@@ -2146,7 +2134,7 @@
           <a:p>
             <a:fld id="{118A88F5-5ACF-4840-AFFD-C2D93D3D5BC1}" type="datetimeFigureOut">
               <a:rPr lang="zh-CN" altLang="en-US" smtClean="0"/>
-              <a:t>2021/4/22</a:t>
+              <a:t>2021/6/12</a:t>
             </a:fld>
             <a:endParaRPr lang="zh-CN" altLang="en-US"/>
           </a:p>
@@ -2264,7 +2252,7 @@
           <a:p>
             <a:fld id="{118A88F5-5ACF-4840-AFFD-C2D93D3D5BC1}" type="datetimeFigureOut">
               <a:rPr lang="zh-CN" altLang="en-US" smtClean="0"/>
-              <a:t>2021/4/22</a:t>
+              <a:t>2021/6/12</a:t>
             </a:fld>
             <a:endParaRPr lang="zh-CN" altLang="en-US"/>
           </a:p>
@@ -2359,7 +2347,7 @@
           <a:p>
             <a:fld id="{118A88F5-5ACF-4840-AFFD-C2D93D3D5BC1}" type="datetimeFigureOut">
               <a:rPr lang="zh-CN" altLang="en-US" smtClean="0"/>
-              <a:t>2021/4/22</a:t>
+              <a:t>2021/6/12</a:t>
             </a:fld>
             <a:endParaRPr lang="zh-CN" altLang="en-US"/>
           </a:p>
@@ -2636,7 +2624,7 @@
           <a:p>
             <a:fld id="{118A88F5-5ACF-4840-AFFD-C2D93D3D5BC1}" type="datetimeFigureOut">
               <a:rPr lang="zh-CN" altLang="en-US" smtClean="0"/>
-              <a:t>2021/4/22</a:t>
+              <a:t>2021/6/12</a:t>
             </a:fld>
             <a:endParaRPr lang="zh-CN" altLang="en-US"/>
           </a:p>
@@ -2889,7 +2877,7 @@
           <a:p>
             <a:fld id="{118A88F5-5ACF-4840-AFFD-C2D93D3D5BC1}" type="datetimeFigureOut">
               <a:rPr lang="zh-CN" altLang="en-US" smtClean="0"/>
-              <a:t>2021/4/22</a:t>
+              <a:t>2021/6/12</a:t>
             </a:fld>
             <a:endParaRPr lang="zh-CN" altLang="en-US"/>
           </a:p>
@@ -3102,7 +3090,7 @@
           <a:p>
             <a:fld id="{118A88F5-5ACF-4840-AFFD-C2D93D3D5BC1}" type="datetimeFigureOut">
               <a:rPr lang="zh-CN" altLang="en-US" smtClean="0"/>
-              <a:t>2021/4/22</a:t>
+              <a:t>2021/6/12</a:t>
             </a:fld>
             <a:endParaRPr lang="zh-CN" altLang="en-US"/>
           </a:p>
